--- a/JavaScript/Week12/Week12.pptx
+++ b/JavaScript/Week12/Week12.pptx
@@ -2,32 +2,45 @@
 <file path=ppt/presentation.xml><?xml version="1.0" encoding="utf-8"?>
 <p:presentation xmlns:a="http://schemas.openxmlformats.org/drawingml/2006/main" xmlns:r="http://schemas.openxmlformats.org/officeDocument/2006/relationships" xmlns:p="http://schemas.openxmlformats.org/presentationml/2006/main" saveSubsetFonts="1">
   <p:sldMasterIdLst>
-    <p:sldMasterId id="2147483686" r:id="rId1"/>
+    <p:sldMasterId id="2147483686" r:id="rId3"/>
   </p:sldMasterIdLst>
   <p:sldIdLst>
-    <p:sldId id="256" r:id="rId2"/>
-    <p:sldId id="257" r:id="rId3"/>
-    <p:sldId id="258" r:id="rId4"/>
-    <p:sldId id="259" r:id="rId5"/>
-    <p:sldId id="260" r:id="rId6"/>
-    <p:sldId id="261" r:id="rId7"/>
-    <p:sldId id="262" r:id="rId8"/>
-    <p:sldId id="263" r:id="rId9"/>
-    <p:sldId id="264" r:id="rId10"/>
-    <p:sldId id="265" r:id="rId11"/>
-    <p:sldId id="266" r:id="rId12"/>
-    <p:sldId id="267" r:id="rId13"/>
-    <p:sldId id="268" r:id="rId14"/>
-    <p:sldId id="269" r:id="rId15"/>
-    <p:sldId id="270" r:id="rId16"/>
-    <p:sldId id="271" r:id="rId17"/>
-    <p:sldId id="272" r:id="rId18"/>
-    <p:sldId id="273" r:id="rId19"/>
-    <p:sldId id="274" r:id="rId20"/>
-    <p:sldId id="275" r:id="rId21"/>
-    <p:sldId id="276" r:id="rId22"/>
-    <p:sldId id="277" r:id="rId23"/>
-    <p:sldId id="278" r:id="rId24"/>
+    <p:sldId id="256" r:id="rId4"/>
+    <p:sldId id="257" r:id="rId5"/>
+    <p:sldId id="258" r:id="rId6"/>
+    <p:sldId id="259" r:id="rId7"/>
+    <p:sldId id="260" r:id="rId8"/>
+    <p:sldId id="261" r:id="rId9"/>
+    <p:sldId id="262" r:id="rId10"/>
+    <p:sldId id="263" r:id="rId11"/>
+    <p:sldId id="264" r:id="rId12"/>
+    <p:sldId id="265" r:id="rId13"/>
+    <p:sldId id="266" r:id="rId14"/>
+    <p:sldId id="267" r:id="rId15"/>
+    <p:sldId id="268" r:id="rId16"/>
+    <p:sldId id="269" r:id="rId17"/>
+    <p:sldId id="270" r:id="rId18"/>
+    <p:sldId id="271" r:id="rId19"/>
+    <p:sldId id="272" r:id="rId20"/>
+    <p:sldId id="273" r:id="rId21"/>
+    <p:sldId id="274" r:id="rId22"/>
+    <p:sldId id="275" r:id="rId23"/>
+    <p:sldId id="276" r:id="rId24"/>
+    <p:sldId id="277" r:id="rId25"/>
+    <p:sldId id="278" r:id="rId26"/>
+    <p:sldId id="279" r:id="rId27"/>
+    <p:sldId id="280" r:id="rId28"/>
+    <p:sldId id="281" r:id="rId29"/>
+    <p:sldId id="282" r:id="rId30"/>
+    <p:sldId id="283" r:id="rId31"/>
+    <p:sldId id="284" r:id="rId32"/>
+    <p:sldId id="285" r:id="rId33"/>
+    <p:sldId id="286" r:id="rId34"/>
+    <p:sldId id="287" r:id="rId35"/>
+    <p:sldId id="288" r:id="rId36"/>
+    <p:sldId id="289" r:id="rId37"/>
+    <p:sldId id="290" r:id="rId38"/>
+    <p:sldId id="291" r:id="rId39"/>
   </p:sldIdLst>
   <p:sldSz cx="12192000" cy="6858000"/>
   <p:notesSz cx="6858000" cy="9144000"/>
@@ -277,7 +290,7 @@
           <a:p>
             <a:fld id="{2395C5C9-164C-46B3-A87E-7660D39D3106}" type="datetime2">
               <a:rPr lang="en-US" smtClean="0"/>
-              <a:t>Tuesday, July 25, 2023</a:t>
+              <a:t>Wednesday, July 26, 2023</a:t>
             </a:fld>
             <a:endParaRPr lang="en-US" dirty="0"/>
           </a:p>
@@ -480,7 +493,7 @@
           <a:p>
             <a:fld id="{5B75179A-1E2B-41AB-B400-4F1B4022FAEE}" type="datetime2">
               <a:rPr lang="en-US" smtClean="0"/>
-              <a:t>Tuesday, July 25, 2023</a:t>
+              <a:t>Wednesday, July 26, 2023</a:t>
             </a:fld>
             <a:endParaRPr lang="en-US"/>
           </a:p>
@@ -693,7 +706,7 @@
           <a:p>
             <a:fld id="{05681D0F-6595-4F14-8EF3-954CD87C797B}" type="datetime2">
               <a:rPr lang="en-US" smtClean="0"/>
-              <a:t>Tuesday, July 25, 2023</a:t>
+              <a:t>Wednesday, July 26, 2023</a:t>
             </a:fld>
             <a:endParaRPr lang="en-US"/>
           </a:p>
@@ -895,7 +908,7 @@
           <a:p>
             <a:fld id="{4DDCFF8A-AAF8-4A12-8A91-9CA0EAF6CBB9}" type="datetime2">
               <a:rPr lang="en-US" smtClean="0"/>
-              <a:t>Tuesday, July 25, 2023</a:t>
+              <a:t>Wednesday, July 26, 2023</a:t>
             </a:fld>
             <a:endParaRPr lang="en-US" dirty="0"/>
           </a:p>
@@ -1174,7 +1187,7 @@
           <a:p>
             <a:fld id="{ABCC25C3-021A-4B0B-8F70-0C181FE1CF45}" type="datetime2">
               <a:rPr lang="en-US" smtClean="0"/>
-              <a:t>Tuesday, July 25, 2023</a:t>
+              <a:t>Wednesday, July 26, 2023</a:t>
             </a:fld>
             <a:endParaRPr lang="en-US"/>
           </a:p>
@@ -1434,7 +1447,7 @@
           <a:p>
             <a:fld id="{0C23D88D-8CEC-4ED9-A53B-5596187D9A16}" type="datetime2">
               <a:rPr lang="en-US" smtClean="0"/>
-              <a:t>Tuesday, July 25, 2023</a:t>
+              <a:t>Wednesday, July 26, 2023</a:t>
             </a:fld>
             <a:endParaRPr lang="en-US"/>
           </a:p>
@@ -1850,7 +1863,7 @@
           <a:p>
             <a:fld id="{D2CCD382-DFDA-4722-A27A-59C21AD112F2}" type="datetime2">
               <a:rPr lang="en-US" smtClean="0"/>
-              <a:t>Tuesday, July 25, 2023</a:t>
+              <a:t>Wednesday, July 26, 2023</a:t>
             </a:fld>
             <a:endParaRPr lang="en-US"/>
           </a:p>
@@ -1995,7 +2008,7 @@
           <a:p>
             <a:fld id="{22F2A30D-1C09-413F-AAB1-38F366000715}" type="datetime2">
               <a:rPr lang="en-US" smtClean="0"/>
-              <a:t>Tuesday, July 25, 2023</a:t>
+              <a:t>Wednesday, July 26, 2023</a:t>
             </a:fld>
             <a:endParaRPr lang="en-US"/>
           </a:p>
@@ -2117,7 +2130,7 @@
           <a:p>
             <a:fld id="{6DB82B9C-D65E-4F64-95C3-B10F3B00F0D9}" type="datetime2">
               <a:rPr lang="en-US" smtClean="0"/>
-              <a:t>Tuesday, July 25, 2023</a:t>
+              <a:t>Wednesday, July 26, 2023</a:t>
             </a:fld>
             <a:endParaRPr lang="en-US"/>
           </a:p>
@@ -2440,7 +2453,7 @@
           <a:p>
             <a:fld id="{B7F5FDCC-6AAC-4A08-B9E0-3793AB5E64C3}" type="datetime2">
               <a:rPr lang="en-US" smtClean="0"/>
-              <a:t>Tuesday, July 25, 2023</a:t>
+              <a:t>Wednesday, July 26, 2023</a:t>
             </a:fld>
             <a:endParaRPr lang="en-US"/>
           </a:p>
@@ -2728,7 +2741,7 @@
           <a:p>
             <a:fld id="{349FE94D-439C-40F1-900E-BC07940E3988}" type="datetime2">
               <a:rPr lang="en-US" smtClean="0"/>
-              <a:t>Tuesday, July 25, 2023</a:t>
+              <a:t>Wednesday, July 26, 2023</a:t>
             </a:fld>
             <a:endParaRPr lang="en-US"/>
           </a:p>
@@ -3016,7 +3029,7 @@
           <a:p>
             <a:fld id="{8DEA2CF1-0EB2-4673-802D-3371233E4A77}" type="datetime2">
               <a:rPr lang="en-US" smtClean="0"/>
-              <a:t>Tuesday, July 25, 2023</a:t>
+              <a:t>Wednesday, July 26, 2023</a:t>
             </a:fld>
             <a:endParaRPr lang="en-US" dirty="0"/>
           </a:p>
@@ -5187,7 +5200,7 @@
             </a:r>
             <a:r>
               <a:rPr lang="en-CA" dirty="0"/>
-              <a:t>?</a:t>
+              <a:t>? – The first argument to the query methods</a:t>
             </a:r>
           </a:p>
         </p:txBody>
@@ -5210,7 +5223,7 @@
         </p:nvSpPr>
         <p:spPr>
           <a:xfrm>
-            <a:off x="720000" y="1327356"/>
+            <a:off x="719997" y="1946789"/>
             <a:ext cx="10728325" cy="4441620"/>
           </a:xfrm>
         </p:spPr>
@@ -5678,6 +5691,754 @@
 </p:sld>
 </file>
 
+<file path=ppt/slides/slide24.xml><?xml version="1.0" encoding="utf-8"?>
+<p:sld xmlns:a="http://schemas.openxmlformats.org/drawingml/2006/main" xmlns:r="http://schemas.openxmlformats.org/officeDocument/2006/relationships" xmlns:p="http://schemas.openxmlformats.org/presentationml/2006/main">
+  <p:cSld>
+    <p:spTree>
+      <p:nvGrpSpPr>
+        <p:cNvPr id="1" name=""/>
+        <p:cNvGrpSpPr/>
+        <p:nvPr/>
+      </p:nvGrpSpPr>
+      <p:grpSpPr>
+        <a:xfrm>
+          <a:off x="0" y="0"/>
+          <a:ext cx="0" cy="0"/>
+          <a:chOff x="0" y="0"/>
+          <a:chExt cx="0" cy="0"/>
+        </a:xfrm>
+      </p:grpSpPr>
+      <p:sp>
+        <p:nvSpPr>
+          <p:cNvPr id="2" name="Title 1">
+            <a:extLst>
+              <a:ext uri="{FF2B5EF4-FFF2-40B4-BE49-F238E27FC236}">
+                <a16:creationId xmlns:a16="http://schemas.microsoft.com/office/drawing/2014/main" id="{B40EC46A-3D99-C5CD-FAD7-BE8B985BFB6C}"/>
+              </a:ext>
+            </a:extLst>
+          </p:cNvPr>
+          <p:cNvSpPr>
+            <a:spLocks noGrp="1"/>
+          </p:cNvSpPr>
+          <p:nvPr>
+            <p:ph type="title"/>
+          </p:nvPr>
+        </p:nvSpPr>
+        <p:spPr/>
+        <p:txBody>
+          <a:bodyPr/>
+          <a:lstStyle/>
+          <a:p>
+            <a:r>
+              <a:rPr lang="en-CA" dirty="0"/>
+              <a:t>How to check if something is not there on component!</a:t>
+            </a:r>
+          </a:p>
+        </p:txBody>
+      </p:sp>
+      <p:sp>
+        <p:nvSpPr>
+          <p:cNvPr id="3" name="Content Placeholder 2">
+            <a:extLst>
+              <a:ext uri="{FF2B5EF4-FFF2-40B4-BE49-F238E27FC236}">
+                <a16:creationId xmlns:a16="http://schemas.microsoft.com/office/drawing/2014/main" id="{42902E3C-2F8E-D676-C17E-0A38DCC9F58B}"/>
+              </a:ext>
+            </a:extLst>
+          </p:cNvPr>
+          <p:cNvSpPr>
+            <a:spLocks noGrp="1"/>
+          </p:cNvSpPr>
+          <p:nvPr>
+            <p:ph idx="1"/>
+          </p:nvPr>
+        </p:nvSpPr>
+        <p:spPr/>
+        <p:txBody>
+          <a:bodyPr/>
+          <a:lstStyle/>
+          <a:p>
+            <a:r>
+              <a:rPr lang="en-CA" dirty="0"/>
+              <a:t>We use following to check if something is not in the component</a:t>
+            </a:r>
+          </a:p>
+          <a:p>
+            <a:endParaRPr lang="en-CA" dirty="0"/>
+          </a:p>
+          <a:p>
+            <a:r>
+              <a:rPr lang="en-CA" dirty="0" err="1"/>
+              <a:t>getRoleBy</a:t>
+            </a:r>
+            <a:r>
+              <a:rPr lang="en-CA" dirty="0"/>
+              <a:t> or </a:t>
+            </a:r>
+            <a:r>
+              <a:rPr lang="en-CA" dirty="0" err="1"/>
+              <a:t>getAllRoleBy</a:t>
+            </a:r>
+            <a:r>
+              <a:rPr lang="en-CA" dirty="0"/>
+              <a:t> throw error when don’t find an element</a:t>
+            </a:r>
+          </a:p>
+          <a:p>
+            <a:endParaRPr lang="en-CA" dirty="0"/>
+          </a:p>
+          <a:p>
+            <a:r>
+              <a:rPr lang="en-CA" dirty="0"/>
+              <a:t>So here comes the concept of </a:t>
+            </a:r>
+            <a:r>
+              <a:rPr lang="en-CA" dirty="0" err="1"/>
+              <a:t>queryBy</a:t>
+            </a:r>
+            <a:r>
+              <a:rPr lang="en-CA" dirty="0"/>
+              <a:t> and </a:t>
+            </a:r>
+            <a:r>
+              <a:rPr lang="en-CA" dirty="0" err="1"/>
+              <a:t>queryAllBy</a:t>
+            </a:r>
+            <a:endParaRPr lang="en-CA" dirty="0"/>
+          </a:p>
+        </p:txBody>
+      </p:sp>
+    </p:spTree>
+    <p:extLst>
+      <p:ext uri="{BB962C8B-B14F-4D97-AF65-F5344CB8AC3E}">
+        <p14:creationId xmlns:p14="http://schemas.microsoft.com/office/powerpoint/2010/main" val="1986028830"/>
+      </p:ext>
+    </p:extLst>
+  </p:cSld>
+  <p:clrMapOvr>
+    <a:masterClrMapping/>
+  </p:clrMapOvr>
+</p:sld>
+</file>
+
+<file path=ppt/slides/slide25.xml><?xml version="1.0" encoding="utf-8"?>
+<p:sld xmlns:a="http://schemas.openxmlformats.org/drawingml/2006/main" xmlns:r="http://schemas.openxmlformats.org/officeDocument/2006/relationships" xmlns:p="http://schemas.openxmlformats.org/presentationml/2006/main">
+  <p:cSld>
+    <p:spTree>
+      <p:nvGrpSpPr>
+        <p:cNvPr id="1" name=""/>
+        <p:cNvGrpSpPr/>
+        <p:nvPr/>
+      </p:nvGrpSpPr>
+      <p:grpSpPr>
+        <a:xfrm>
+          <a:off x="0" y="0"/>
+          <a:ext cx="0" cy="0"/>
+          <a:chOff x="0" y="0"/>
+          <a:chExt cx="0" cy="0"/>
+        </a:xfrm>
+      </p:grpSpPr>
+      <p:sp>
+        <p:nvSpPr>
+          <p:cNvPr id="2" name="Title 1">
+            <a:extLst>
+              <a:ext uri="{FF2B5EF4-FFF2-40B4-BE49-F238E27FC236}">
+                <a16:creationId xmlns:a16="http://schemas.microsoft.com/office/drawing/2014/main" id="{74BE183D-3D26-55B4-B53F-5C40947F7ED5}"/>
+              </a:ext>
+            </a:extLst>
+          </p:cNvPr>
+          <p:cNvSpPr>
+            <a:spLocks noGrp="1"/>
+          </p:cNvSpPr>
+          <p:nvPr>
+            <p:ph type="title"/>
+          </p:nvPr>
+        </p:nvSpPr>
+        <p:spPr/>
+        <p:txBody>
+          <a:bodyPr/>
+          <a:lstStyle/>
+          <a:p>
+            <a:r>
+              <a:rPr lang="en-CA" dirty="0" err="1"/>
+              <a:t>queryBy</a:t>
+            </a:r>
+            <a:r>
+              <a:rPr lang="en-CA" dirty="0"/>
+              <a:t> and </a:t>
+            </a:r>
+            <a:r>
+              <a:rPr lang="en-CA" dirty="0" err="1"/>
+              <a:t>queryAllBy</a:t>
+            </a:r>
+            <a:endParaRPr lang="en-CA" dirty="0"/>
+          </a:p>
+        </p:txBody>
+      </p:sp>
+      <p:sp>
+        <p:nvSpPr>
+          <p:cNvPr id="3" name="Content Placeholder 2">
+            <a:extLst>
+              <a:ext uri="{FF2B5EF4-FFF2-40B4-BE49-F238E27FC236}">
+                <a16:creationId xmlns:a16="http://schemas.microsoft.com/office/drawing/2014/main" id="{85EA6B44-E5F3-9BA6-AD03-608B971C4104}"/>
+              </a:ext>
+            </a:extLst>
+          </p:cNvPr>
+          <p:cNvSpPr>
+            <a:spLocks noGrp="1"/>
+          </p:cNvSpPr>
+          <p:nvPr>
+            <p:ph idx="1"/>
+          </p:nvPr>
+        </p:nvSpPr>
+        <p:spPr/>
+        <p:txBody>
+          <a:bodyPr/>
+          <a:lstStyle/>
+          <a:p>
+            <a:r>
+              <a:rPr lang="en-CA" dirty="0" err="1"/>
+              <a:t>queryBy</a:t>
+            </a:r>
+            <a:endParaRPr lang="en-CA" dirty="0"/>
+          </a:p>
+          <a:p>
+            <a:pPr lvl="1"/>
+            <a:r>
+              <a:rPr lang="en-CA" dirty="0"/>
+              <a:t>Returns the matching node for a query, and return null if no elements match</a:t>
+            </a:r>
+          </a:p>
+          <a:p>
+            <a:pPr lvl="1"/>
+            <a:r>
+              <a:rPr lang="en-CA" dirty="0"/>
+              <a:t>Useful for asserting an </a:t>
+            </a:r>
+            <a:r>
+              <a:rPr lang="en-CA" b="1" dirty="0"/>
+              <a:t>element that is not present</a:t>
+            </a:r>
+          </a:p>
+          <a:p>
+            <a:pPr lvl="1"/>
+            <a:r>
+              <a:rPr lang="en-CA" dirty="0"/>
+              <a:t>Throws an error if more than one match is found</a:t>
+            </a:r>
+          </a:p>
+          <a:p>
+            <a:r>
+              <a:rPr lang="en-CA" dirty="0" err="1"/>
+              <a:t>queryAllBy</a:t>
+            </a:r>
+            <a:endParaRPr lang="en-CA" dirty="0"/>
+          </a:p>
+          <a:p>
+            <a:pPr lvl="1"/>
+            <a:r>
+              <a:rPr lang="en-CA" dirty="0"/>
+              <a:t>Returns an array of all matching nodes for a query, and return an empty array if no elements match</a:t>
+            </a:r>
+          </a:p>
+        </p:txBody>
+      </p:sp>
+    </p:spTree>
+    <p:extLst>
+      <p:ext uri="{BB962C8B-B14F-4D97-AF65-F5344CB8AC3E}">
+        <p14:creationId xmlns:p14="http://schemas.microsoft.com/office/powerpoint/2010/main" val="2354270424"/>
+      </p:ext>
+    </p:extLst>
+  </p:cSld>
+  <p:clrMapOvr>
+    <a:masterClrMapping/>
+  </p:clrMapOvr>
+</p:sld>
+</file>
+
+<file path=ppt/slides/slide26.xml><?xml version="1.0" encoding="utf-8"?>
+<p:sld xmlns:a="http://schemas.openxmlformats.org/drawingml/2006/main" xmlns:r="http://schemas.openxmlformats.org/officeDocument/2006/relationships" xmlns:p="http://schemas.openxmlformats.org/presentationml/2006/main">
+  <p:cSld>
+    <p:spTree>
+      <p:nvGrpSpPr>
+        <p:cNvPr id="1" name=""/>
+        <p:cNvGrpSpPr/>
+        <p:nvPr/>
+      </p:nvGrpSpPr>
+      <p:grpSpPr>
+        <a:xfrm>
+          <a:off x="0" y="0"/>
+          <a:ext cx="0" cy="0"/>
+          <a:chOff x="0" y="0"/>
+          <a:chExt cx="0" cy="0"/>
+        </a:xfrm>
+      </p:grpSpPr>
+      <p:sp>
+        <p:nvSpPr>
+          <p:cNvPr id="2" name="Title 1">
+            <a:extLst>
+              <a:ext uri="{FF2B5EF4-FFF2-40B4-BE49-F238E27FC236}">
+                <a16:creationId xmlns:a16="http://schemas.microsoft.com/office/drawing/2014/main" id="{DDC34B32-4875-6C19-1E4B-71E28F77AC55}"/>
+              </a:ext>
+            </a:extLst>
+          </p:cNvPr>
+          <p:cNvSpPr>
+            <a:spLocks noGrp="1"/>
+          </p:cNvSpPr>
+          <p:nvPr>
+            <p:ph type="title"/>
+          </p:nvPr>
+        </p:nvSpPr>
+        <p:spPr/>
+        <p:txBody>
+          <a:bodyPr/>
+          <a:lstStyle/>
+          <a:p>
+            <a:r>
+              <a:rPr lang="en-CA" dirty="0"/>
+              <a:t>Appearance/Disappearance</a:t>
+            </a:r>
+          </a:p>
+        </p:txBody>
+      </p:sp>
+      <p:sp>
+        <p:nvSpPr>
+          <p:cNvPr id="3" name="Content Placeholder 2">
+            <a:extLst>
+              <a:ext uri="{FF2B5EF4-FFF2-40B4-BE49-F238E27FC236}">
+                <a16:creationId xmlns:a16="http://schemas.microsoft.com/office/drawing/2014/main" id="{AD8802AC-07D1-D6AD-2C35-FFB1585F3E61}"/>
+              </a:ext>
+            </a:extLst>
+          </p:cNvPr>
+          <p:cNvSpPr>
+            <a:spLocks noGrp="1"/>
+          </p:cNvSpPr>
+          <p:nvPr>
+            <p:ph idx="1"/>
+          </p:nvPr>
+        </p:nvSpPr>
+        <p:spPr/>
+        <p:txBody>
+          <a:bodyPr/>
+          <a:lstStyle/>
+          <a:p>
+            <a:r>
+              <a:rPr lang="en-CA" dirty="0"/>
+              <a:t>What if elements are not present in the DOM to begin but make their way into the DOM after some time?</a:t>
+            </a:r>
+          </a:p>
+          <a:p>
+            <a:endParaRPr lang="en-CA" dirty="0"/>
+          </a:p>
+          <a:p>
+            <a:r>
+              <a:rPr lang="en-CA" dirty="0"/>
+              <a:t>For example, data that is fetched from a server will be rendered only after a few milliseconds.</a:t>
+            </a:r>
+          </a:p>
+          <a:p>
+            <a:endParaRPr lang="en-CA" dirty="0"/>
+          </a:p>
+          <a:p>
+            <a:r>
+              <a:rPr lang="en-CA" dirty="0"/>
+              <a:t>Let’s see if </a:t>
+            </a:r>
+            <a:r>
+              <a:rPr lang="en-CA" dirty="0" err="1"/>
+              <a:t>getByRole</a:t>
+            </a:r>
+            <a:r>
+              <a:rPr lang="en-CA" dirty="0"/>
+              <a:t> is a good fit in this situation! NOT</a:t>
+            </a:r>
+          </a:p>
+        </p:txBody>
+      </p:sp>
+    </p:spTree>
+    <p:extLst>
+      <p:ext uri="{BB962C8B-B14F-4D97-AF65-F5344CB8AC3E}">
+        <p14:creationId xmlns:p14="http://schemas.microsoft.com/office/powerpoint/2010/main" val="1885975356"/>
+      </p:ext>
+    </p:extLst>
+  </p:cSld>
+  <p:clrMapOvr>
+    <a:masterClrMapping/>
+  </p:clrMapOvr>
+</p:sld>
+</file>
+
+<file path=ppt/slides/slide27.xml><?xml version="1.0" encoding="utf-8"?>
+<p:sld xmlns:a="http://schemas.openxmlformats.org/drawingml/2006/main" xmlns:r="http://schemas.openxmlformats.org/officeDocument/2006/relationships" xmlns:p="http://schemas.openxmlformats.org/presentationml/2006/main">
+  <p:cSld>
+    <p:spTree>
+      <p:nvGrpSpPr>
+        <p:cNvPr id="1" name=""/>
+        <p:cNvGrpSpPr/>
+        <p:nvPr/>
+      </p:nvGrpSpPr>
+      <p:grpSpPr>
+        <a:xfrm>
+          <a:off x="0" y="0"/>
+          <a:ext cx="0" cy="0"/>
+          <a:chOff x="0" y="0"/>
+          <a:chExt cx="0" cy="0"/>
+        </a:xfrm>
+      </p:grpSpPr>
+      <p:sp>
+        <p:nvSpPr>
+          <p:cNvPr id="2" name="Title 1">
+            <a:extLst>
+              <a:ext uri="{FF2B5EF4-FFF2-40B4-BE49-F238E27FC236}">
+                <a16:creationId xmlns:a16="http://schemas.microsoft.com/office/drawing/2014/main" id="{0BE0C6BE-447E-4803-6781-83059794923F}"/>
+              </a:ext>
+            </a:extLst>
+          </p:cNvPr>
+          <p:cNvSpPr>
+            <a:spLocks noGrp="1"/>
+          </p:cNvSpPr>
+          <p:nvPr>
+            <p:ph type="title"/>
+          </p:nvPr>
+        </p:nvSpPr>
+        <p:spPr/>
+        <p:txBody>
+          <a:bodyPr/>
+          <a:lstStyle/>
+          <a:p>
+            <a:r>
+              <a:rPr lang="en-CA" dirty="0" err="1"/>
+              <a:t>findBy</a:t>
+            </a:r>
+            <a:r>
+              <a:rPr lang="en-CA" dirty="0"/>
+              <a:t> and </a:t>
+            </a:r>
+            <a:r>
+              <a:rPr lang="en-CA" dirty="0" err="1"/>
+              <a:t>findAllBy</a:t>
+            </a:r>
+            <a:endParaRPr lang="en-CA" dirty="0"/>
+          </a:p>
+        </p:txBody>
+      </p:sp>
+      <p:sp>
+        <p:nvSpPr>
+          <p:cNvPr id="3" name="Content Placeholder 2">
+            <a:extLst>
+              <a:ext uri="{FF2B5EF4-FFF2-40B4-BE49-F238E27FC236}">
+                <a16:creationId xmlns:a16="http://schemas.microsoft.com/office/drawing/2014/main" id="{7A9080A3-FCD7-DFBA-3973-7FE4ED7A07D6}"/>
+              </a:ext>
+            </a:extLst>
+          </p:cNvPr>
+          <p:cNvSpPr>
+            <a:spLocks noGrp="1"/>
+          </p:cNvSpPr>
+          <p:nvPr>
+            <p:ph idx="1"/>
+          </p:nvPr>
+        </p:nvSpPr>
+        <p:spPr/>
+        <p:txBody>
+          <a:bodyPr>
+            <a:normAutofit fontScale="92500" lnSpcReduction="20000"/>
+          </a:bodyPr>
+          <a:lstStyle/>
+          <a:p>
+            <a:r>
+              <a:rPr lang="en-CA" dirty="0" err="1"/>
+              <a:t>findBy</a:t>
+            </a:r>
+            <a:r>
+              <a:rPr lang="en-CA" dirty="0"/>
+              <a:t>:</a:t>
+            </a:r>
+          </a:p>
+          <a:p>
+            <a:pPr lvl="1"/>
+            <a:r>
+              <a:rPr lang="en-CA" dirty="0"/>
+              <a:t>Returns </a:t>
+            </a:r>
+            <a:r>
+              <a:rPr lang="en-CA" b="1" dirty="0"/>
+              <a:t>a Promise </a:t>
+            </a:r>
+            <a:r>
+              <a:rPr lang="en-CA" dirty="0"/>
+              <a:t>which resolves when an element is found which matches the given query</a:t>
+            </a:r>
+          </a:p>
+          <a:p>
+            <a:pPr lvl="1"/>
+            <a:r>
+              <a:rPr lang="en-CA" dirty="0"/>
+              <a:t>The promise is rejected if no element is found or if more than one element is found after a default timeout of 1000ms.</a:t>
+            </a:r>
+          </a:p>
+          <a:p>
+            <a:r>
+              <a:rPr lang="en-CA" dirty="0" err="1"/>
+              <a:t>findAllBy</a:t>
+            </a:r>
+            <a:endParaRPr lang="en-CA" dirty="0"/>
+          </a:p>
+          <a:p>
+            <a:pPr lvl="1"/>
+            <a:r>
+              <a:rPr lang="en-CA" dirty="0"/>
+              <a:t>Returns a promise which resolves to an array of elements when any elements are found which match the given query</a:t>
+            </a:r>
+          </a:p>
+          <a:p>
+            <a:pPr lvl="1"/>
+            <a:r>
+              <a:rPr lang="en-CA" dirty="0"/>
+              <a:t>The promise is rejected if no elements are found after a default timeout of 1000ms.</a:t>
+            </a:r>
+          </a:p>
+        </p:txBody>
+      </p:sp>
+    </p:spTree>
+    <p:extLst>
+      <p:ext uri="{BB962C8B-B14F-4D97-AF65-F5344CB8AC3E}">
+        <p14:creationId xmlns:p14="http://schemas.microsoft.com/office/powerpoint/2010/main" val="3075394852"/>
+      </p:ext>
+    </p:extLst>
+  </p:cSld>
+  <p:clrMapOvr>
+    <a:masterClrMapping/>
+  </p:clrMapOvr>
+</p:sld>
+</file>
+
+<file path=ppt/slides/slide28.xml><?xml version="1.0" encoding="utf-8"?>
+<p:sld xmlns:a="http://schemas.openxmlformats.org/drawingml/2006/main" xmlns:r="http://schemas.openxmlformats.org/officeDocument/2006/relationships" xmlns:p="http://schemas.openxmlformats.org/presentationml/2006/main">
+  <p:cSld>
+    <p:spTree>
+      <p:nvGrpSpPr>
+        <p:cNvPr id="1" name=""/>
+        <p:cNvGrpSpPr/>
+        <p:nvPr/>
+      </p:nvGrpSpPr>
+      <p:grpSpPr>
+        <a:xfrm>
+          <a:off x="0" y="0"/>
+          <a:ext cx="0" cy="0"/>
+          <a:chOff x="0" y="0"/>
+          <a:chExt cx="0" cy="0"/>
+        </a:xfrm>
+      </p:grpSpPr>
+      <p:sp>
+        <p:nvSpPr>
+          <p:cNvPr id="2" name="Title 1">
+            <a:extLst>
+              <a:ext uri="{FF2B5EF4-FFF2-40B4-BE49-F238E27FC236}">
+                <a16:creationId xmlns:a16="http://schemas.microsoft.com/office/drawing/2014/main" id="{04CDDFC4-DC26-909B-9216-54474D1FA8A1}"/>
+              </a:ext>
+            </a:extLst>
+          </p:cNvPr>
+          <p:cNvSpPr>
+            <a:spLocks noGrp="1"/>
+          </p:cNvSpPr>
+          <p:nvPr>
+            <p:ph type="title"/>
+          </p:nvPr>
+        </p:nvSpPr>
+        <p:spPr/>
+        <p:txBody>
+          <a:bodyPr/>
+          <a:lstStyle/>
+          <a:p>
+            <a:r>
+              <a:rPr lang="en-CA" dirty="0"/>
+              <a:t>To increase the timeout!</a:t>
+            </a:r>
+          </a:p>
+        </p:txBody>
+      </p:sp>
+      <p:sp>
+        <p:nvSpPr>
+          <p:cNvPr id="3" name="Content Placeholder 2">
+            <a:extLst>
+              <a:ext uri="{FF2B5EF4-FFF2-40B4-BE49-F238E27FC236}">
+                <a16:creationId xmlns:a16="http://schemas.microsoft.com/office/drawing/2014/main" id="{E9795A06-A300-8C78-33AD-9D6911FFC795}"/>
+              </a:ext>
+            </a:extLst>
+          </p:cNvPr>
+          <p:cNvSpPr>
+            <a:spLocks noGrp="1"/>
+          </p:cNvSpPr>
+          <p:nvPr>
+            <p:ph idx="1"/>
+          </p:nvPr>
+        </p:nvSpPr>
+        <p:spPr/>
+        <p:txBody>
+          <a:bodyPr/>
+          <a:lstStyle/>
+          <a:p>
+            <a:r>
+              <a:rPr lang="en-CA" dirty="0"/>
+              <a:t>{timeout:2000} for example:</a:t>
+            </a:r>
+          </a:p>
+        </p:txBody>
+      </p:sp>
+    </p:spTree>
+    <p:extLst>
+      <p:ext uri="{BB962C8B-B14F-4D97-AF65-F5344CB8AC3E}">
+        <p14:creationId xmlns:p14="http://schemas.microsoft.com/office/powerpoint/2010/main" val="4178206183"/>
+      </p:ext>
+    </p:extLst>
+  </p:cSld>
+  <p:clrMapOvr>
+    <a:masterClrMapping/>
+  </p:clrMapOvr>
+</p:sld>
+</file>
+
+<file path=ppt/slides/slide29.xml><?xml version="1.0" encoding="utf-8"?>
+<p:sld xmlns:a="http://schemas.openxmlformats.org/drawingml/2006/main" xmlns:r="http://schemas.openxmlformats.org/officeDocument/2006/relationships" xmlns:p="http://schemas.openxmlformats.org/presentationml/2006/main">
+  <p:cSld>
+    <p:spTree>
+      <p:nvGrpSpPr>
+        <p:cNvPr id="1" name=""/>
+        <p:cNvGrpSpPr/>
+        <p:nvPr/>
+      </p:nvGrpSpPr>
+      <p:grpSpPr>
+        <a:xfrm>
+          <a:off x="0" y="0"/>
+          <a:ext cx="0" cy="0"/>
+          <a:chOff x="0" y="0"/>
+          <a:chExt cx="0" cy="0"/>
+        </a:xfrm>
+      </p:grpSpPr>
+      <p:sp>
+        <p:nvSpPr>
+          <p:cNvPr id="2" name="Title 1">
+            <a:extLst>
+              <a:ext uri="{FF2B5EF4-FFF2-40B4-BE49-F238E27FC236}">
+                <a16:creationId xmlns:a16="http://schemas.microsoft.com/office/drawing/2014/main" id="{98A05435-28E2-943B-85FE-DF1FD51C1E04}"/>
+              </a:ext>
+            </a:extLst>
+          </p:cNvPr>
+          <p:cNvSpPr>
+            <a:spLocks noGrp="1"/>
+          </p:cNvSpPr>
+          <p:nvPr>
+            <p:ph type="title"/>
+          </p:nvPr>
+        </p:nvSpPr>
+        <p:spPr/>
+        <p:txBody>
+          <a:bodyPr/>
+          <a:lstStyle/>
+          <a:p>
+            <a:r>
+              <a:rPr lang="en-CA" dirty="0"/>
+              <a:t>Manual Queries</a:t>
+            </a:r>
+          </a:p>
+        </p:txBody>
+      </p:sp>
+      <p:sp>
+        <p:nvSpPr>
+          <p:cNvPr id="3" name="Content Placeholder 2">
+            <a:extLst>
+              <a:ext uri="{FF2B5EF4-FFF2-40B4-BE49-F238E27FC236}">
+                <a16:creationId xmlns:a16="http://schemas.microsoft.com/office/drawing/2014/main" id="{3DC90645-2073-4DEB-A3A0-E82C7812B4B4}"/>
+              </a:ext>
+            </a:extLst>
+          </p:cNvPr>
+          <p:cNvSpPr>
+            <a:spLocks noGrp="1"/>
+          </p:cNvSpPr>
+          <p:nvPr>
+            <p:ph idx="1"/>
+          </p:nvPr>
+        </p:nvSpPr>
+        <p:spPr>
+          <a:xfrm>
+            <a:off x="720000" y="1681316"/>
+            <a:ext cx="10728325" cy="4087659"/>
+          </a:xfrm>
+        </p:spPr>
+        <p:txBody>
+          <a:bodyPr/>
+          <a:lstStyle/>
+          <a:p>
+            <a:r>
+              <a:rPr lang="en-CA" dirty="0"/>
+              <a:t>RTL Queries: As discussed till now</a:t>
+            </a:r>
+          </a:p>
+          <a:p>
+            <a:endParaRPr lang="en-CA" dirty="0"/>
+          </a:p>
+          <a:p>
+            <a:r>
+              <a:rPr lang="en-CA" dirty="0"/>
+              <a:t>Manual Queries on the other hand we can use as the regular </a:t>
+            </a:r>
+            <a:r>
+              <a:rPr lang="en-CA" dirty="0" err="1"/>
+              <a:t>querySelector</a:t>
+            </a:r>
+            <a:r>
+              <a:rPr lang="en-CA" dirty="0"/>
+              <a:t> DOM API to find element.</a:t>
+            </a:r>
+          </a:p>
+          <a:p>
+            <a:pPr marL="0" indent="0">
+              <a:buNone/>
+            </a:pPr>
+            <a:r>
+              <a:rPr lang="en-CA" dirty="0"/>
+              <a:t>  const {container} = render(&lt;</a:t>
+            </a:r>
+            <a:r>
+              <a:rPr lang="en-CA" dirty="0" err="1"/>
+              <a:t>AnyComponent</a:t>
+            </a:r>
+            <a:r>
+              <a:rPr lang="en-CA" dirty="0"/>
+              <a:t>/&gt;)</a:t>
+            </a:r>
+          </a:p>
+          <a:p>
+            <a:pPr marL="0" indent="0">
+              <a:buNone/>
+            </a:pPr>
+            <a:r>
+              <a:rPr lang="en-CA" dirty="0"/>
+              <a:t> const foo = </a:t>
+            </a:r>
+            <a:r>
+              <a:rPr lang="en-CA" dirty="0" err="1"/>
+              <a:t>container.querySelectorAll</a:t>
+            </a:r>
+            <a:r>
+              <a:rPr lang="en-CA" dirty="0"/>
+              <a:t>(‘[data-foo=“bar”]’);</a:t>
+            </a:r>
+          </a:p>
+        </p:txBody>
+      </p:sp>
+    </p:spTree>
+    <p:extLst>
+      <p:ext uri="{BB962C8B-B14F-4D97-AF65-F5344CB8AC3E}">
+        <p14:creationId xmlns:p14="http://schemas.microsoft.com/office/powerpoint/2010/main" val="1680375902"/>
+      </p:ext>
+    </p:extLst>
+  </p:cSld>
+  <p:clrMapOvr>
+    <a:masterClrMapping/>
+  </p:clrMapOvr>
+</p:sld>
+</file>
+
 <file path=ppt/slides/slide3.xml><?xml version="1.0" encoding="utf-8"?>
 <p:sld xmlns:a="http://schemas.openxmlformats.org/drawingml/2006/main" xmlns:r="http://schemas.openxmlformats.org/officeDocument/2006/relationships" xmlns:p="http://schemas.openxmlformats.org/presentationml/2006/main">
   <p:cSld>
@@ -5875,6 +6636,810 @@
     <p:extLst>
       <p:ext uri="{BB962C8B-B14F-4D97-AF65-F5344CB8AC3E}">
         <p14:creationId xmlns:p14="http://schemas.microsoft.com/office/powerpoint/2010/main" val="498177952"/>
+      </p:ext>
+    </p:extLst>
+  </p:cSld>
+  <p:clrMapOvr>
+    <a:masterClrMapping/>
+  </p:clrMapOvr>
+</p:sld>
+</file>
+
+<file path=ppt/slides/slide30.xml><?xml version="1.0" encoding="utf-8"?>
+<p:sld xmlns:a="http://schemas.openxmlformats.org/drawingml/2006/main" xmlns:r="http://schemas.openxmlformats.org/officeDocument/2006/relationships" xmlns:p="http://schemas.openxmlformats.org/presentationml/2006/main">
+  <p:cSld>
+    <p:spTree>
+      <p:nvGrpSpPr>
+        <p:cNvPr id="1" name=""/>
+        <p:cNvGrpSpPr/>
+        <p:nvPr/>
+      </p:nvGrpSpPr>
+      <p:grpSpPr>
+        <a:xfrm>
+          <a:off x="0" y="0"/>
+          <a:ext cx="0" cy="0"/>
+          <a:chOff x="0" y="0"/>
+          <a:chExt cx="0" cy="0"/>
+        </a:xfrm>
+      </p:grpSpPr>
+      <p:sp>
+        <p:nvSpPr>
+          <p:cNvPr id="2" name="Title 1">
+            <a:extLst>
+              <a:ext uri="{FF2B5EF4-FFF2-40B4-BE49-F238E27FC236}">
+                <a16:creationId xmlns:a16="http://schemas.microsoft.com/office/drawing/2014/main" id="{81A0CA09-5D83-365A-E04A-CC26A5D2BE08}"/>
+              </a:ext>
+            </a:extLst>
+          </p:cNvPr>
+          <p:cNvSpPr>
+            <a:spLocks noGrp="1"/>
+          </p:cNvSpPr>
+          <p:nvPr>
+            <p:ph type="title"/>
+          </p:nvPr>
+        </p:nvSpPr>
+        <p:spPr>
+          <a:xfrm>
+            <a:off x="720000" y="619200"/>
+            <a:ext cx="10728322" cy="826142"/>
+          </a:xfrm>
+        </p:spPr>
+        <p:txBody>
+          <a:bodyPr/>
+          <a:lstStyle/>
+          <a:p>
+            <a:r>
+              <a:rPr lang="en-CA" dirty="0"/>
+              <a:t>Debugging ! Important</a:t>
+            </a:r>
+          </a:p>
+        </p:txBody>
+      </p:sp>
+      <p:sp>
+        <p:nvSpPr>
+          <p:cNvPr id="3" name="Content Placeholder 2">
+            <a:extLst>
+              <a:ext uri="{FF2B5EF4-FFF2-40B4-BE49-F238E27FC236}">
+                <a16:creationId xmlns:a16="http://schemas.microsoft.com/office/drawing/2014/main" id="{071CC9A9-F8F1-FFFD-CF78-BD4E4C2680CC}"/>
+              </a:ext>
+            </a:extLst>
+          </p:cNvPr>
+          <p:cNvSpPr>
+            <a:spLocks noGrp="1"/>
+          </p:cNvSpPr>
+          <p:nvPr>
+            <p:ph idx="1"/>
+          </p:nvPr>
+        </p:nvSpPr>
+        <p:spPr>
+          <a:xfrm>
+            <a:off x="719997" y="1754054"/>
+            <a:ext cx="10728325" cy="3227375"/>
+          </a:xfrm>
+        </p:spPr>
+        <p:txBody>
+          <a:bodyPr/>
+          <a:lstStyle/>
+          <a:p>
+            <a:r>
+              <a:rPr lang="en-CA" dirty="0" err="1"/>
+              <a:t>screen.debug</a:t>
+            </a:r>
+            <a:r>
+              <a:rPr lang="en-CA" dirty="0"/>
+              <a:t>() </a:t>
+            </a:r>
+          </a:p>
+          <a:p>
+            <a:endParaRPr lang="en-CA" dirty="0"/>
+          </a:p>
+          <a:p>
+            <a:r>
+              <a:rPr lang="en-CA" dirty="0" err="1"/>
+              <a:t>logRoles</a:t>
+            </a:r>
+            <a:r>
+              <a:rPr lang="en-CA" dirty="0"/>
+              <a:t>..</a:t>
+            </a:r>
+          </a:p>
+        </p:txBody>
+      </p:sp>
+    </p:spTree>
+    <p:extLst>
+      <p:ext uri="{BB962C8B-B14F-4D97-AF65-F5344CB8AC3E}">
+        <p14:creationId xmlns:p14="http://schemas.microsoft.com/office/powerpoint/2010/main" val="2792882494"/>
+      </p:ext>
+    </p:extLst>
+  </p:cSld>
+  <p:clrMapOvr>
+    <a:masterClrMapping/>
+  </p:clrMapOvr>
+</p:sld>
+</file>
+
+<file path=ppt/slides/slide31.xml><?xml version="1.0" encoding="utf-8"?>
+<p:sld xmlns:a="http://schemas.openxmlformats.org/drawingml/2006/main" xmlns:r="http://schemas.openxmlformats.org/officeDocument/2006/relationships" xmlns:p="http://schemas.openxmlformats.org/presentationml/2006/main">
+  <p:cSld>
+    <p:spTree>
+      <p:nvGrpSpPr>
+        <p:cNvPr id="1" name=""/>
+        <p:cNvGrpSpPr/>
+        <p:nvPr/>
+      </p:nvGrpSpPr>
+      <p:grpSpPr>
+        <a:xfrm>
+          <a:off x="0" y="0"/>
+          <a:ext cx="0" cy="0"/>
+          <a:chOff x="0" y="0"/>
+          <a:chExt cx="0" cy="0"/>
+        </a:xfrm>
+      </p:grpSpPr>
+      <p:sp>
+        <p:nvSpPr>
+          <p:cNvPr id="2" name="Title 1">
+            <a:extLst>
+              <a:ext uri="{FF2B5EF4-FFF2-40B4-BE49-F238E27FC236}">
+                <a16:creationId xmlns:a16="http://schemas.microsoft.com/office/drawing/2014/main" id="{C752992A-B616-6A23-5BFB-EE896E49CCFF}"/>
+              </a:ext>
+            </a:extLst>
+          </p:cNvPr>
+          <p:cNvSpPr>
+            <a:spLocks noGrp="1"/>
+          </p:cNvSpPr>
+          <p:nvPr>
+            <p:ph type="title"/>
+          </p:nvPr>
+        </p:nvSpPr>
+        <p:spPr/>
+        <p:txBody>
+          <a:bodyPr/>
+          <a:lstStyle/>
+          <a:p>
+            <a:r>
+              <a:rPr lang="en-CA"/>
+              <a:t>Testing Playground</a:t>
+            </a:r>
+            <a:r>
+              <a:rPr lang="en-CA" dirty="0"/>
+              <a:t>!</a:t>
+            </a:r>
+          </a:p>
+        </p:txBody>
+      </p:sp>
+      <p:sp>
+        <p:nvSpPr>
+          <p:cNvPr id="3" name="Content Placeholder 2">
+            <a:extLst>
+              <a:ext uri="{FF2B5EF4-FFF2-40B4-BE49-F238E27FC236}">
+                <a16:creationId xmlns:a16="http://schemas.microsoft.com/office/drawing/2014/main" id="{F1FD64B0-3398-D3A9-28FB-4698D3405994}"/>
+              </a:ext>
+            </a:extLst>
+          </p:cNvPr>
+          <p:cNvSpPr>
+            <a:spLocks noGrp="1"/>
+          </p:cNvSpPr>
+          <p:nvPr>
+            <p:ph idx="1"/>
+          </p:nvPr>
+        </p:nvSpPr>
+        <p:spPr/>
+        <p:txBody>
+          <a:bodyPr/>
+          <a:lstStyle/>
+          <a:p>
+            <a:r>
+              <a:rPr lang="en-CA" dirty="0"/>
+              <a:t>Remember </a:t>
+            </a:r>
+            <a:r>
+              <a:rPr lang="en-CA" dirty="0" err="1"/>
+              <a:t>flexboxfroggy</a:t>
+            </a:r>
+            <a:r>
+              <a:rPr lang="en-CA" dirty="0"/>
+              <a:t> ?? </a:t>
+            </a:r>
+            <a:r>
+              <a:rPr lang="en-CA" dirty="0">
+                <a:sym typeface="Wingdings" panose="05000000000000000000" pitchFamily="2" charset="2"/>
+              </a:rPr>
+              <a:t></a:t>
+            </a:r>
+          </a:p>
+          <a:p>
+            <a:endParaRPr lang="en-CA" dirty="0">
+              <a:sym typeface="Wingdings" panose="05000000000000000000" pitchFamily="2" charset="2"/>
+            </a:endParaRPr>
+          </a:p>
+          <a:p>
+            <a:r>
+              <a:rPr lang="en-CA" dirty="0">
+                <a:sym typeface="Wingdings" panose="05000000000000000000" pitchFamily="2" charset="2"/>
+              </a:rPr>
+              <a:t>Let’s install testing playground extension!</a:t>
+            </a:r>
+            <a:endParaRPr lang="en-CA" dirty="0"/>
+          </a:p>
+        </p:txBody>
+      </p:sp>
+    </p:spTree>
+    <p:extLst>
+      <p:ext uri="{BB962C8B-B14F-4D97-AF65-F5344CB8AC3E}">
+        <p14:creationId xmlns:p14="http://schemas.microsoft.com/office/powerpoint/2010/main" val="3741709824"/>
+      </p:ext>
+    </p:extLst>
+  </p:cSld>
+  <p:clrMapOvr>
+    <a:masterClrMapping/>
+  </p:clrMapOvr>
+</p:sld>
+</file>
+
+<file path=ppt/slides/slide32.xml><?xml version="1.0" encoding="utf-8"?>
+<p:sld xmlns:a="http://schemas.openxmlformats.org/drawingml/2006/main" xmlns:r="http://schemas.openxmlformats.org/officeDocument/2006/relationships" xmlns:p="http://schemas.openxmlformats.org/presentationml/2006/main">
+  <p:cSld>
+    <p:spTree>
+      <p:nvGrpSpPr>
+        <p:cNvPr id="1" name=""/>
+        <p:cNvGrpSpPr/>
+        <p:nvPr/>
+      </p:nvGrpSpPr>
+      <p:grpSpPr>
+        <a:xfrm>
+          <a:off x="0" y="0"/>
+          <a:ext cx="0" cy="0"/>
+          <a:chOff x="0" y="0"/>
+          <a:chExt cx="0" cy="0"/>
+        </a:xfrm>
+      </p:grpSpPr>
+      <p:sp>
+        <p:nvSpPr>
+          <p:cNvPr id="2" name="Title 1">
+            <a:extLst>
+              <a:ext uri="{FF2B5EF4-FFF2-40B4-BE49-F238E27FC236}">
+                <a16:creationId xmlns:a16="http://schemas.microsoft.com/office/drawing/2014/main" id="{BB9C1CD3-CCC2-5D52-3120-FB398ABF90B2}"/>
+              </a:ext>
+            </a:extLst>
+          </p:cNvPr>
+          <p:cNvSpPr>
+            <a:spLocks noGrp="1"/>
+          </p:cNvSpPr>
+          <p:nvPr>
+            <p:ph type="title"/>
+          </p:nvPr>
+        </p:nvSpPr>
+        <p:spPr/>
+        <p:txBody>
+          <a:bodyPr/>
+          <a:lstStyle/>
+          <a:p>
+            <a:r>
+              <a:rPr lang="en-CA" dirty="0"/>
+              <a:t>User interactions!</a:t>
+            </a:r>
+          </a:p>
+        </p:txBody>
+      </p:sp>
+      <p:sp>
+        <p:nvSpPr>
+          <p:cNvPr id="3" name="Content Placeholder 2">
+            <a:extLst>
+              <a:ext uri="{FF2B5EF4-FFF2-40B4-BE49-F238E27FC236}">
+                <a16:creationId xmlns:a16="http://schemas.microsoft.com/office/drawing/2014/main" id="{71C3583F-B017-9E46-0B70-3258CAFAC255}"/>
+              </a:ext>
+            </a:extLst>
+          </p:cNvPr>
+          <p:cNvSpPr>
+            <a:spLocks noGrp="1"/>
+          </p:cNvSpPr>
+          <p:nvPr>
+            <p:ph idx="1"/>
+          </p:nvPr>
+        </p:nvSpPr>
+        <p:spPr/>
+        <p:txBody>
+          <a:bodyPr/>
+          <a:lstStyle/>
+          <a:p>
+            <a:r>
+              <a:rPr lang="en-CA" dirty="0"/>
+              <a:t>A click using a mouse or a keypress using a keyboard</a:t>
+            </a:r>
+          </a:p>
+          <a:p>
+            <a:r>
+              <a:rPr lang="en-CA" dirty="0"/>
+              <a:t>Software has to response to such interactions</a:t>
+            </a:r>
+          </a:p>
+          <a:p>
+            <a:r>
+              <a:rPr lang="en-CA" dirty="0"/>
+              <a:t>Tests should ensure the interactions are handled as expected.</a:t>
+            </a:r>
+          </a:p>
+          <a:p>
+            <a:endParaRPr lang="en-CA" dirty="0"/>
+          </a:p>
+        </p:txBody>
+      </p:sp>
+    </p:spTree>
+    <p:extLst>
+      <p:ext uri="{BB962C8B-B14F-4D97-AF65-F5344CB8AC3E}">
+        <p14:creationId xmlns:p14="http://schemas.microsoft.com/office/powerpoint/2010/main" val="1587619242"/>
+      </p:ext>
+    </p:extLst>
+  </p:cSld>
+  <p:clrMapOvr>
+    <a:masterClrMapping/>
+  </p:clrMapOvr>
+</p:sld>
+</file>
+
+<file path=ppt/slides/slide33.xml><?xml version="1.0" encoding="utf-8"?>
+<p:sld xmlns:a="http://schemas.openxmlformats.org/drawingml/2006/main" xmlns:r="http://schemas.openxmlformats.org/officeDocument/2006/relationships" xmlns:p="http://schemas.openxmlformats.org/presentationml/2006/main">
+  <p:cSld>
+    <p:spTree>
+      <p:nvGrpSpPr>
+        <p:cNvPr id="1" name=""/>
+        <p:cNvGrpSpPr/>
+        <p:nvPr/>
+      </p:nvGrpSpPr>
+      <p:grpSpPr>
+        <a:xfrm>
+          <a:off x="0" y="0"/>
+          <a:ext cx="0" cy="0"/>
+          <a:chOff x="0" y="0"/>
+          <a:chExt cx="0" cy="0"/>
+        </a:xfrm>
+      </p:grpSpPr>
+      <p:sp>
+        <p:nvSpPr>
+          <p:cNvPr id="2" name="Title 1">
+            <a:extLst>
+              <a:ext uri="{FF2B5EF4-FFF2-40B4-BE49-F238E27FC236}">
+                <a16:creationId xmlns:a16="http://schemas.microsoft.com/office/drawing/2014/main" id="{113AE5CE-A2BB-FFAF-F297-79CD8B592442}"/>
+              </a:ext>
+            </a:extLst>
+          </p:cNvPr>
+          <p:cNvSpPr>
+            <a:spLocks noGrp="1"/>
+          </p:cNvSpPr>
+          <p:nvPr>
+            <p:ph type="title"/>
+          </p:nvPr>
+        </p:nvSpPr>
+        <p:spPr/>
+        <p:txBody>
+          <a:bodyPr/>
+          <a:lstStyle/>
+          <a:p>
+            <a:r>
+              <a:rPr lang="en-CA" dirty="0"/>
+              <a:t>user-event</a:t>
+            </a:r>
+          </a:p>
+        </p:txBody>
+      </p:sp>
+      <p:sp>
+        <p:nvSpPr>
+          <p:cNvPr id="3" name="Content Placeholder 2">
+            <a:extLst>
+              <a:ext uri="{FF2B5EF4-FFF2-40B4-BE49-F238E27FC236}">
+                <a16:creationId xmlns:a16="http://schemas.microsoft.com/office/drawing/2014/main" id="{40995BDC-B04D-84D0-09C6-03A82085751E}"/>
+              </a:ext>
+            </a:extLst>
+          </p:cNvPr>
+          <p:cNvSpPr>
+            <a:spLocks noGrp="1"/>
+          </p:cNvSpPr>
+          <p:nvPr>
+            <p:ph idx="1"/>
+          </p:nvPr>
+        </p:nvSpPr>
+        <p:spPr/>
+        <p:txBody>
+          <a:bodyPr/>
+          <a:lstStyle/>
+          <a:p>
+            <a:r>
+              <a:rPr lang="en-CA" dirty="0"/>
+              <a:t>A companion library for Testing Library that simulates user interactions by dispatching the events that would happen if the interaction took place in a browser</a:t>
+            </a:r>
+          </a:p>
+          <a:p>
+            <a:endParaRPr lang="en-CA" dirty="0"/>
+          </a:p>
+          <a:p>
+            <a:r>
+              <a:rPr lang="en-CA" dirty="0"/>
+              <a:t>It is the recommended way to test user interactions with RTL.</a:t>
+            </a:r>
+          </a:p>
+          <a:p>
+            <a:endParaRPr lang="en-CA" dirty="0"/>
+          </a:p>
+        </p:txBody>
+      </p:sp>
+    </p:spTree>
+    <p:extLst>
+      <p:ext uri="{BB962C8B-B14F-4D97-AF65-F5344CB8AC3E}">
+        <p14:creationId xmlns:p14="http://schemas.microsoft.com/office/powerpoint/2010/main" val="1545874787"/>
+      </p:ext>
+    </p:extLst>
+  </p:cSld>
+  <p:clrMapOvr>
+    <a:masterClrMapping/>
+  </p:clrMapOvr>
+</p:sld>
+</file>
+
+<file path=ppt/slides/slide34.xml><?xml version="1.0" encoding="utf-8"?>
+<p:sld xmlns:a="http://schemas.openxmlformats.org/drawingml/2006/main" xmlns:r="http://schemas.openxmlformats.org/officeDocument/2006/relationships" xmlns:p="http://schemas.openxmlformats.org/presentationml/2006/main">
+  <p:cSld>
+    <p:spTree>
+      <p:nvGrpSpPr>
+        <p:cNvPr id="1" name=""/>
+        <p:cNvGrpSpPr/>
+        <p:nvPr/>
+      </p:nvGrpSpPr>
+      <p:grpSpPr>
+        <a:xfrm>
+          <a:off x="0" y="0"/>
+          <a:ext cx="0" cy="0"/>
+          <a:chOff x="0" y="0"/>
+          <a:chExt cx="0" cy="0"/>
+        </a:xfrm>
+      </p:grpSpPr>
+      <p:sp>
+        <p:nvSpPr>
+          <p:cNvPr id="2" name="Title 1">
+            <a:extLst>
+              <a:ext uri="{FF2B5EF4-FFF2-40B4-BE49-F238E27FC236}">
+                <a16:creationId xmlns:a16="http://schemas.microsoft.com/office/drawing/2014/main" id="{3DE05E21-BBC5-FB1C-6E34-1F97878BB6D1}"/>
+              </a:ext>
+            </a:extLst>
+          </p:cNvPr>
+          <p:cNvSpPr>
+            <a:spLocks noGrp="1"/>
+          </p:cNvSpPr>
+          <p:nvPr>
+            <p:ph type="title"/>
+          </p:nvPr>
+        </p:nvSpPr>
+        <p:spPr/>
+        <p:txBody>
+          <a:bodyPr/>
+          <a:lstStyle/>
+          <a:p>
+            <a:r>
+              <a:rPr lang="en-CA" dirty="0" err="1"/>
+              <a:t>fireEvent</a:t>
+            </a:r>
+            <a:r>
+              <a:rPr lang="en-CA" dirty="0"/>
+              <a:t> vs user-event</a:t>
+            </a:r>
+          </a:p>
+        </p:txBody>
+      </p:sp>
+      <p:sp>
+        <p:nvSpPr>
+          <p:cNvPr id="3" name="Content Placeholder 2">
+            <a:extLst>
+              <a:ext uri="{FF2B5EF4-FFF2-40B4-BE49-F238E27FC236}">
+                <a16:creationId xmlns:a16="http://schemas.microsoft.com/office/drawing/2014/main" id="{1295ADAB-548E-76C0-2E87-17B723C945D0}"/>
+              </a:ext>
+            </a:extLst>
+          </p:cNvPr>
+          <p:cNvSpPr>
+            <a:spLocks noGrp="1"/>
+          </p:cNvSpPr>
+          <p:nvPr>
+            <p:ph idx="1"/>
+          </p:nvPr>
+        </p:nvSpPr>
+        <p:spPr>
+          <a:xfrm>
+            <a:off x="720000" y="1179872"/>
+            <a:ext cx="10728325" cy="4589104"/>
+          </a:xfrm>
+        </p:spPr>
+        <p:txBody>
+          <a:bodyPr>
+            <a:normAutofit fontScale="85000" lnSpcReduction="10000"/>
+          </a:bodyPr>
+          <a:lstStyle/>
+          <a:p>
+            <a:r>
+              <a:rPr lang="en-CA" dirty="0" err="1"/>
+              <a:t>fireEvent</a:t>
+            </a:r>
+            <a:r>
+              <a:rPr lang="en-CA" dirty="0"/>
+              <a:t> is a method from RTL which is used to dispatch DOM events</a:t>
+            </a:r>
+          </a:p>
+          <a:p>
+            <a:endParaRPr lang="en-CA" dirty="0"/>
+          </a:p>
+          <a:p>
+            <a:r>
+              <a:rPr lang="en-CA" dirty="0"/>
+              <a:t>User-event simulates full interactions, which may fire multiple events and do additional checks along the way.</a:t>
+            </a:r>
+          </a:p>
+          <a:p>
+            <a:endParaRPr lang="en-CA" dirty="0"/>
+          </a:p>
+          <a:p>
+            <a:r>
+              <a:rPr lang="en-CA" dirty="0"/>
+              <a:t>For example, we can dispatch the change event on an input filed using </a:t>
+            </a:r>
+            <a:r>
+              <a:rPr lang="en-CA" dirty="0" err="1"/>
+              <a:t>fireEvent</a:t>
+            </a:r>
+            <a:r>
+              <a:rPr lang="en-CA" dirty="0"/>
+              <a:t>.</a:t>
+            </a:r>
+          </a:p>
+          <a:p>
+            <a:r>
+              <a:rPr lang="en-CA" dirty="0"/>
+              <a:t>When a user types into a text box, the element must be focused, and the keyboard and input events are fired and the selection and value on the element are manipulated as they type.</a:t>
+            </a:r>
+          </a:p>
+          <a:p>
+            <a:r>
+              <a:rPr lang="en-CA" dirty="0"/>
+              <a:t>User-event allows to describe a user interaction instead of a concrete event. It adds visibility and intractability checks along the way and manipulates the DOM just like a user interaction in the browser would. It factors in that the browser e.g. wouldn’t let a user click a hidden element or a type in a disabled text box.</a:t>
+            </a:r>
+          </a:p>
+          <a:p>
+            <a:r>
+              <a:rPr lang="en-CA" dirty="0"/>
+              <a:t>Good news: user-event is already there in </a:t>
+            </a:r>
+            <a:r>
+              <a:rPr lang="en-CA" dirty="0" err="1"/>
+              <a:t>Package.json</a:t>
+            </a:r>
+            <a:r>
+              <a:rPr lang="en-CA" dirty="0"/>
+              <a:t> </a:t>
+            </a:r>
+            <a:r>
+              <a:rPr lang="en-CA" dirty="0">
+                <a:sym typeface="Wingdings" panose="05000000000000000000" pitchFamily="2" charset="2"/>
+              </a:rPr>
+              <a:t></a:t>
+            </a:r>
+            <a:endParaRPr lang="en-CA" dirty="0"/>
+          </a:p>
+        </p:txBody>
+      </p:sp>
+    </p:spTree>
+    <p:extLst>
+      <p:ext uri="{BB962C8B-B14F-4D97-AF65-F5344CB8AC3E}">
+        <p14:creationId xmlns:p14="http://schemas.microsoft.com/office/powerpoint/2010/main" val="2611121637"/>
+      </p:ext>
+    </p:extLst>
+  </p:cSld>
+  <p:clrMapOvr>
+    <a:masterClrMapping/>
+  </p:clrMapOvr>
+</p:sld>
+</file>
+
+<file path=ppt/slides/slide35.xml><?xml version="1.0" encoding="utf-8"?>
+<p:sld xmlns:a="http://schemas.openxmlformats.org/drawingml/2006/main" xmlns:r="http://schemas.openxmlformats.org/officeDocument/2006/relationships" xmlns:p="http://schemas.openxmlformats.org/presentationml/2006/main">
+  <p:cSld>
+    <p:spTree>
+      <p:nvGrpSpPr>
+        <p:cNvPr id="1" name=""/>
+        <p:cNvGrpSpPr/>
+        <p:nvPr/>
+      </p:nvGrpSpPr>
+      <p:grpSpPr>
+        <a:xfrm>
+          <a:off x="0" y="0"/>
+          <a:ext cx="0" cy="0"/>
+          <a:chOff x="0" y="0"/>
+          <a:chExt cx="0" cy="0"/>
+        </a:xfrm>
+      </p:grpSpPr>
+      <p:sp>
+        <p:nvSpPr>
+          <p:cNvPr id="2" name="Title 1">
+            <a:extLst>
+              <a:ext uri="{FF2B5EF4-FFF2-40B4-BE49-F238E27FC236}">
+                <a16:creationId xmlns:a16="http://schemas.microsoft.com/office/drawing/2014/main" id="{61159CB8-C6B3-64C0-7DEF-035269736219}"/>
+              </a:ext>
+            </a:extLst>
+          </p:cNvPr>
+          <p:cNvSpPr>
+            <a:spLocks noGrp="1"/>
+          </p:cNvSpPr>
+          <p:nvPr>
+            <p:ph type="title"/>
+          </p:nvPr>
+        </p:nvSpPr>
+        <p:spPr/>
+        <p:txBody>
+          <a:bodyPr/>
+          <a:lstStyle/>
+          <a:p>
+            <a:r>
+              <a:rPr lang="en-CA" dirty="0"/>
+              <a:t>Pointer Interactions</a:t>
+            </a:r>
+          </a:p>
+        </p:txBody>
+      </p:sp>
+      <p:sp>
+        <p:nvSpPr>
+          <p:cNvPr id="3" name="Content Placeholder 2">
+            <a:extLst>
+              <a:ext uri="{FF2B5EF4-FFF2-40B4-BE49-F238E27FC236}">
+                <a16:creationId xmlns:a16="http://schemas.microsoft.com/office/drawing/2014/main" id="{78750A3E-1631-19EE-56D7-AA98A5129051}"/>
+              </a:ext>
+            </a:extLst>
+          </p:cNvPr>
+          <p:cNvSpPr>
+            <a:spLocks noGrp="1"/>
+          </p:cNvSpPr>
+          <p:nvPr>
+            <p:ph idx="1"/>
+          </p:nvPr>
+        </p:nvSpPr>
+        <p:spPr/>
+        <p:txBody>
+          <a:bodyPr/>
+          <a:lstStyle/>
+          <a:p>
+            <a:r>
+              <a:rPr lang="en-CA" dirty="0"/>
+              <a:t>Let’s see pointer interactions in action!</a:t>
+            </a:r>
+          </a:p>
+        </p:txBody>
+      </p:sp>
+    </p:spTree>
+    <p:extLst>
+      <p:ext uri="{BB962C8B-B14F-4D97-AF65-F5344CB8AC3E}">
+        <p14:creationId xmlns:p14="http://schemas.microsoft.com/office/powerpoint/2010/main" val="4238858685"/>
+      </p:ext>
+    </p:extLst>
+  </p:cSld>
+  <p:clrMapOvr>
+    <a:masterClrMapping/>
+  </p:clrMapOvr>
+</p:sld>
+</file>
+
+<file path=ppt/slides/slide36.xml><?xml version="1.0" encoding="utf-8"?>
+<p:sld xmlns:a="http://schemas.openxmlformats.org/drawingml/2006/main" xmlns:r="http://schemas.openxmlformats.org/officeDocument/2006/relationships" xmlns:p="http://schemas.openxmlformats.org/presentationml/2006/main">
+  <p:cSld>
+    <p:spTree>
+      <p:nvGrpSpPr>
+        <p:cNvPr id="1" name=""/>
+        <p:cNvGrpSpPr/>
+        <p:nvPr/>
+      </p:nvGrpSpPr>
+      <p:grpSpPr>
+        <a:xfrm>
+          <a:off x="0" y="0"/>
+          <a:ext cx="0" cy="0"/>
+          <a:chOff x="0" y="0"/>
+          <a:chExt cx="0" cy="0"/>
+        </a:xfrm>
+      </p:grpSpPr>
+      <p:sp>
+        <p:nvSpPr>
+          <p:cNvPr id="2" name="Title 1">
+            <a:extLst>
+              <a:ext uri="{FF2B5EF4-FFF2-40B4-BE49-F238E27FC236}">
+                <a16:creationId xmlns:a16="http://schemas.microsoft.com/office/drawing/2014/main" id="{E7274ECE-40DF-D3D4-45C2-87A799F6D7CA}"/>
+              </a:ext>
+            </a:extLst>
+          </p:cNvPr>
+          <p:cNvSpPr>
+            <a:spLocks noGrp="1"/>
+          </p:cNvSpPr>
+          <p:nvPr>
+            <p:ph type="title"/>
+          </p:nvPr>
+        </p:nvSpPr>
+        <p:spPr/>
+        <p:txBody>
+          <a:bodyPr/>
+          <a:lstStyle/>
+          <a:p>
+            <a:r>
+              <a:rPr lang="en-CA" dirty="0"/>
+              <a:t>Pointer Interactions</a:t>
+            </a:r>
+          </a:p>
+        </p:txBody>
+      </p:sp>
+      <p:sp>
+        <p:nvSpPr>
+          <p:cNvPr id="3" name="Content Placeholder 2">
+            <a:extLst>
+              <a:ext uri="{FF2B5EF4-FFF2-40B4-BE49-F238E27FC236}">
+                <a16:creationId xmlns:a16="http://schemas.microsoft.com/office/drawing/2014/main" id="{9401406D-B47A-4571-DEDC-F73BAB01887F}"/>
+              </a:ext>
+            </a:extLst>
+          </p:cNvPr>
+          <p:cNvSpPr>
+            <a:spLocks noGrp="1"/>
+          </p:cNvSpPr>
+          <p:nvPr>
+            <p:ph idx="1"/>
+          </p:nvPr>
+        </p:nvSpPr>
+        <p:spPr/>
+        <p:txBody>
+          <a:bodyPr/>
+          <a:lstStyle/>
+          <a:p>
+            <a:r>
+              <a:rPr lang="en-CA" dirty="0"/>
+              <a:t>Convenience APIs</a:t>
+            </a:r>
+          </a:p>
+          <a:p>
+            <a:r>
+              <a:rPr lang="en-CA" dirty="0"/>
+              <a:t>click()</a:t>
+            </a:r>
+          </a:p>
+          <a:p>
+            <a:r>
+              <a:rPr lang="en-CA" dirty="0" err="1"/>
+              <a:t>dblClick</a:t>
+            </a:r>
+            <a:r>
+              <a:rPr lang="en-CA" dirty="0"/>
+              <a:t>()</a:t>
+            </a:r>
+          </a:p>
+          <a:p>
+            <a:r>
+              <a:rPr lang="en-CA" dirty="0" err="1"/>
+              <a:t>tripleClick</a:t>
+            </a:r>
+            <a:r>
+              <a:rPr lang="en-CA" dirty="0"/>
+              <a:t>()</a:t>
+            </a:r>
+          </a:p>
+          <a:p>
+            <a:r>
+              <a:rPr lang="en-CA" dirty="0"/>
+              <a:t>hover() </a:t>
+            </a:r>
+          </a:p>
+          <a:p>
+            <a:r>
+              <a:rPr lang="en-CA" dirty="0" err="1"/>
+              <a:t>unhover</a:t>
+            </a:r>
+            <a:r>
+              <a:rPr lang="en-CA" dirty="0"/>
+              <a:t>()</a:t>
+            </a:r>
+          </a:p>
+        </p:txBody>
+      </p:sp>
+    </p:spTree>
+    <p:extLst>
+      <p:ext uri="{BB962C8B-B14F-4D97-AF65-F5344CB8AC3E}">
+        <p14:creationId xmlns:p14="http://schemas.microsoft.com/office/powerpoint/2010/main" val="3837010323"/>
       </p:ext>
     </p:extLst>
   </p:cSld>
@@ -6509,13 +8074,8 @@
             </a:pPr>
             <a:r>
               <a:rPr lang="en-CA" dirty="0"/>
-              <a:t>	2. the text content of  a </a:t>
-            </a:r>
-            <a:r>
-              <a:rPr lang="en-CA"/>
-              <a:t>button or heading</a:t>
-            </a:r>
-            <a:endParaRPr lang="en-CA" dirty="0"/>
+              <a:t>	2. the text content of  a button or</a:t>
+            </a:r>
           </a:p>
           <a:p>
             <a:pPr marL="0" indent="0">
@@ -7122,4 +8682,263 @@
     </a:ext>
   </a:extLst>
 </a:theme>
+</file>
+
+<file path=customXml/item1.xml><?xml version="1.0" encoding="utf-8"?>
+<?mso-contentType ?>
+<FormTemplates xmlns="http://schemas.microsoft.com/sharepoint/v3/contenttype/forms">
+  <Display>DocumentLibraryForm</Display>
+  <Edit>DocumentLibraryForm</Edit>
+  <New>DocumentLibraryForm</New>
+</FormTemplates>
+</file>
+
+<file path=customXml/item2.xml><?xml version="1.0" encoding="utf-8"?>
+<ct:contentTypeSchema xmlns:ct="http://schemas.microsoft.com/office/2006/metadata/contentType" xmlns:ma="http://schemas.microsoft.com/office/2006/metadata/properties/metaAttributes" ct:_="" ma:_="" ma:contentTypeName="Document" ma:contentTypeID="0x01010084DDCB6E2755994FAEA82EE53D3EFEF4" ma:contentTypeVersion="13" ma:contentTypeDescription="Create a new document." ma:contentTypeScope="" ma:versionID="bf637e3371e92fd5d755f42076d972e0">
+  <xsd:schema xmlns:xsd="http://www.w3.org/2001/XMLSchema" xmlns:xs="http://www.w3.org/2001/XMLSchema" xmlns:p="http://schemas.microsoft.com/office/2006/metadata/properties" xmlns:ns2="5d4ed4ad-c368-4ae0-b57a-9fad76fa8ba4" xmlns:ns3="ea4d700e-bb3a-4d33-bd5c-e37bab34155a" targetNamespace="http://schemas.microsoft.com/office/2006/metadata/properties" ma:root="true" ma:fieldsID="4c6dcf755ab8d70122d1d1fd1480be27" ns2:_="" ns3:_="">
+    <xsd:import namespace="5d4ed4ad-c368-4ae0-b57a-9fad76fa8ba4"/>
+    <xsd:import namespace="ea4d700e-bb3a-4d33-bd5c-e37bab34155a"/>
+    <xsd:element name="properties">
+      <xsd:complexType>
+        <xsd:sequence>
+          <xsd:element name="documentManagement">
+            <xsd:complexType>
+              <xsd:all>
+                <xsd:element ref="ns2:MediaServiceMetadata" minOccurs="0"/>
+                <xsd:element ref="ns2:MediaServiceFastMetadata" minOccurs="0"/>
+                <xsd:element ref="ns2:MediaServiceDateTaken" minOccurs="0"/>
+                <xsd:element ref="ns2:MediaLengthInSeconds" minOccurs="0"/>
+                <xsd:element ref="ns2:lcf76f155ced4ddcb4097134ff3c332f" minOccurs="0"/>
+                <xsd:element ref="ns3:TaxCatchAll" minOccurs="0"/>
+                <xsd:element ref="ns2:MediaServiceOCR" minOccurs="0"/>
+                <xsd:element ref="ns2:MediaServiceGenerationTime" minOccurs="0"/>
+                <xsd:element ref="ns2:MediaServiceEventHashCode" minOccurs="0"/>
+                <xsd:element ref="ns3:SharedWithUsers" minOccurs="0"/>
+                <xsd:element ref="ns3:SharedWithDetails" minOccurs="0"/>
+                <xsd:element ref="ns2:MediaServiceObjectDetectorVersions" minOccurs="0"/>
+              </xsd:all>
+            </xsd:complexType>
+          </xsd:element>
+        </xsd:sequence>
+      </xsd:complexType>
+    </xsd:element>
+  </xsd:schema>
+  <xsd:schema xmlns:xsd="http://www.w3.org/2001/XMLSchema" xmlns:xs="http://www.w3.org/2001/XMLSchema" xmlns:dms="http://schemas.microsoft.com/office/2006/documentManagement/types" xmlns:pc="http://schemas.microsoft.com/office/infopath/2007/PartnerControls" targetNamespace="5d4ed4ad-c368-4ae0-b57a-9fad76fa8ba4" elementFormDefault="qualified">
+    <xsd:import namespace="http://schemas.microsoft.com/office/2006/documentManagement/types"/>
+    <xsd:import namespace="http://schemas.microsoft.com/office/infopath/2007/PartnerControls"/>
+    <xsd:element name="MediaServiceMetadata" ma:index="8" nillable="true" ma:displayName="MediaServiceMetadata" ma:hidden="true" ma:internalName="MediaServiceMetadata" ma:readOnly="true">
+      <xsd:simpleType>
+        <xsd:restriction base="dms:Note"/>
+      </xsd:simpleType>
+    </xsd:element>
+    <xsd:element name="MediaServiceFastMetadata" ma:index="9" nillable="true" ma:displayName="MediaServiceFastMetadata" ma:hidden="true" ma:internalName="MediaServiceFastMetadata" ma:readOnly="true">
+      <xsd:simpleType>
+        <xsd:restriction base="dms:Note"/>
+      </xsd:simpleType>
+    </xsd:element>
+    <xsd:element name="MediaServiceDateTaken" ma:index="10" nillable="true" ma:displayName="MediaServiceDateTaken" ma:hidden="true" ma:indexed="true" ma:internalName="MediaServiceDateTaken" ma:readOnly="true">
+      <xsd:simpleType>
+        <xsd:restriction base="dms:Text"/>
+      </xsd:simpleType>
+    </xsd:element>
+    <xsd:element name="MediaLengthInSeconds" ma:index="11" nillable="true" ma:displayName="MediaLengthInSeconds" ma:hidden="true" ma:internalName="MediaLengthInSeconds" ma:readOnly="true">
+      <xsd:simpleType>
+        <xsd:restriction base="dms:Unknown"/>
+      </xsd:simpleType>
+    </xsd:element>
+    <xsd:element name="lcf76f155ced4ddcb4097134ff3c332f" ma:index="13" nillable="true" ma:taxonomy="true" ma:internalName="lcf76f155ced4ddcb4097134ff3c332f" ma:taxonomyFieldName="MediaServiceImageTags" ma:displayName="Image Tags" ma:readOnly="false" ma:fieldId="{5cf76f15-5ced-4ddc-b409-7134ff3c332f}" ma:taxonomyMulti="true" ma:sspId="a71d4ce9-4273-4986-8620-84eead38f943" ma:termSetId="09814cd3-568e-fe90-9814-8d621ff8fb84" ma:anchorId="fba54fb3-c3e1-fe81-a776-ca4b69148c4d" ma:open="true" ma:isKeyword="false">
+      <xsd:complexType>
+        <xsd:sequence>
+          <xsd:element ref="pc:Terms" minOccurs="0" maxOccurs="1"/>
+        </xsd:sequence>
+      </xsd:complexType>
+    </xsd:element>
+    <xsd:element name="MediaServiceOCR" ma:index="15" nillable="true" ma:displayName="Extracted Text" ma:internalName="MediaServiceOCR" ma:readOnly="true">
+      <xsd:simpleType>
+        <xsd:restriction base="dms:Note">
+          <xsd:maxLength value="255"/>
+        </xsd:restriction>
+      </xsd:simpleType>
+    </xsd:element>
+    <xsd:element name="MediaServiceGenerationTime" ma:index="16" nillable="true" ma:displayName="MediaServiceGenerationTime" ma:hidden="true" ma:internalName="MediaServiceGenerationTime" ma:readOnly="true">
+      <xsd:simpleType>
+        <xsd:restriction base="dms:Text"/>
+      </xsd:simpleType>
+    </xsd:element>
+    <xsd:element name="MediaServiceEventHashCode" ma:index="17" nillable="true" ma:displayName="MediaServiceEventHashCode" ma:hidden="true" ma:internalName="MediaServiceEventHashCode" ma:readOnly="true">
+      <xsd:simpleType>
+        <xsd:restriction base="dms:Text"/>
+      </xsd:simpleType>
+    </xsd:element>
+    <xsd:element name="MediaServiceObjectDetectorVersions" ma:index="20" nillable="true" ma:displayName="MediaServiceObjectDetectorVersions" ma:hidden="true" ma:indexed="true" ma:internalName="MediaServiceObjectDetectorVersions" ma:readOnly="true">
+      <xsd:simpleType>
+        <xsd:restriction base="dms:Text"/>
+      </xsd:simpleType>
+    </xsd:element>
+  </xsd:schema>
+  <xsd:schema xmlns:xsd="http://www.w3.org/2001/XMLSchema" xmlns:xs="http://www.w3.org/2001/XMLSchema" xmlns:dms="http://schemas.microsoft.com/office/2006/documentManagement/types" xmlns:pc="http://schemas.microsoft.com/office/infopath/2007/PartnerControls" targetNamespace="ea4d700e-bb3a-4d33-bd5c-e37bab34155a" elementFormDefault="qualified">
+    <xsd:import namespace="http://schemas.microsoft.com/office/2006/documentManagement/types"/>
+    <xsd:import namespace="http://schemas.microsoft.com/office/infopath/2007/PartnerControls"/>
+    <xsd:element name="TaxCatchAll" ma:index="14" nillable="true" ma:displayName="Taxonomy Catch All Column" ma:hidden="true" ma:list="{67bf3001-4a07-4184-bdd8-51061ab9a59f}" ma:internalName="TaxCatchAll" ma:showField="CatchAllData" ma:web="ea4d700e-bb3a-4d33-bd5c-e37bab34155a">
+      <xsd:complexType>
+        <xsd:complexContent>
+          <xsd:extension base="dms:MultiChoiceLookup">
+            <xsd:sequence>
+              <xsd:element name="Value" type="dms:Lookup" maxOccurs="unbounded" minOccurs="0" nillable="true"/>
+            </xsd:sequence>
+          </xsd:extension>
+        </xsd:complexContent>
+      </xsd:complexType>
+    </xsd:element>
+    <xsd:element name="SharedWithUsers" ma:index="18" nillable="true" ma:displayName="Shared With" ma:internalName="SharedWithUsers" ma:readOnly="true">
+      <xsd:complexType>
+        <xsd:complexContent>
+          <xsd:extension base="dms:UserMulti">
+            <xsd:sequence>
+              <xsd:element name="UserInfo" minOccurs="0" maxOccurs="unbounded">
+                <xsd:complexType>
+                  <xsd:sequence>
+                    <xsd:element name="DisplayName" type="xsd:string" minOccurs="0"/>
+                    <xsd:element name="AccountId" type="dms:UserId" minOccurs="0" nillable="true"/>
+                    <xsd:element name="AccountType" type="xsd:string" minOccurs="0"/>
+                  </xsd:sequence>
+                </xsd:complexType>
+              </xsd:element>
+            </xsd:sequence>
+          </xsd:extension>
+        </xsd:complexContent>
+      </xsd:complexType>
+    </xsd:element>
+    <xsd:element name="SharedWithDetails" ma:index="19" nillable="true" ma:displayName="Shared With Details" ma:internalName="SharedWithDetails" ma:readOnly="true">
+      <xsd:simpleType>
+        <xsd:restriction base="dms:Note">
+          <xsd:maxLength value="255"/>
+        </xsd:restriction>
+      </xsd:simpleType>
+    </xsd:element>
+  </xsd:schema>
+  <xsd:schema xmlns="http://schemas.openxmlformats.org/package/2006/metadata/core-properties" xmlns:xsd="http://www.w3.org/2001/XMLSchema" xmlns:xsi="http://www.w3.org/2001/XMLSchema-instance" xmlns:dc="http://purl.org/dc/elements/1.1/" xmlns:dcterms="http://purl.org/dc/terms/" xmlns:odoc="http://schemas.microsoft.com/internal/obd" targetNamespace="http://schemas.openxmlformats.org/package/2006/metadata/core-properties" elementFormDefault="qualified" attributeFormDefault="unqualified" blockDefault="#all">
+    <xsd:import namespace="http://purl.org/dc/elements/1.1/" schemaLocation="http://dublincore.org/schemas/xmls/qdc/2003/04/02/dc.xsd"/>
+    <xsd:import namespace="http://purl.org/dc/terms/" schemaLocation="http://dublincore.org/schemas/xmls/qdc/2003/04/02/dcterms.xsd"/>
+    <xsd:element name="coreProperties" type="CT_coreProperties"/>
+    <xsd:complexType name="CT_coreProperties">
+      <xsd:all>
+        <xsd:element ref="dc:creator" minOccurs="0" maxOccurs="1"/>
+        <xsd:element ref="dcterms:created" minOccurs="0" maxOccurs="1"/>
+        <xsd:element ref="dc:identifier" minOccurs="0" maxOccurs="1"/>
+        <xsd:element name="contentType" minOccurs="0" maxOccurs="1" type="xsd:string" ma:index="0" ma:displayName="Content Type"/>
+        <xsd:element ref="dc:title" minOccurs="0" maxOccurs="1" ma:index="4" ma:displayName="Title"/>
+        <xsd:element ref="dc:subject" minOccurs="0" maxOccurs="1"/>
+        <xsd:element ref="dc:description" minOccurs="0" maxOccurs="1"/>
+        <xsd:element name="keywords" minOccurs="0" maxOccurs="1" type="xsd:string"/>
+        <xsd:element ref="dc:language" minOccurs="0" maxOccurs="1"/>
+        <xsd:element name="category" minOccurs="0" maxOccurs="1" type="xsd:string"/>
+        <xsd:element name="version" minOccurs="0" maxOccurs="1" type="xsd:string"/>
+        <xsd:element name="revision" minOccurs="0" maxOccurs="1" type="xsd:string">
+          <xsd:annotation>
+            <xsd:documentation>
+                        This value indicates the number of saves or revisions. The application is responsible for updating this value after each revision.
+                    </xsd:documentation>
+          </xsd:annotation>
+        </xsd:element>
+        <xsd:element name="lastModifiedBy" minOccurs="0" maxOccurs="1" type="xsd:string"/>
+        <xsd:element ref="dcterms:modified" minOccurs="0" maxOccurs="1"/>
+        <xsd:element name="contentStatus" minOccurs="0" maxOccurs="1" type="xsd:string"/>
+      </xsd:all>
+    </xsd:complexType>
+  </xsd:schema>
+  <xs:schema xmlns:pc="http://schemas.microsoft.com/office/infopath/2007/PartnerControls" xmlns:xs="http://www.w3.org/2001/XMLSchema" targetNamespace="http://schemas.microsoft.com/office/infopath/2007/PartnerControls" elementFormDefault="qualified" attributeFormDefault="unqualified">
+    <xs:element name="Person">
+      <xs:complexType>
+        <xs:sequence>
+          <xs:element ref="pc:DisplayName" minOccurs="0"/>
+          <xs:element ref="pc:AccountId" minOccurs="0"/>
+          <xs:element ref="pc:AccountType" minOccurs="0"/>
+        </xs:sequence>
+      </xs:complexType>
+    </xs:element>
+    <xs:element name="DisplayName" type="xs:string"/>
+    <xs:element name="AccountId" type="xs:string"/>
+    <xs:element name="AccountType" type="xs:string"/>
+    <xs:element name="BDCAssociatedEntity">
+      <xs:complexType>
+        <xs:sequence>
+          <xs:element ref="pc:BDCEntity" minOccurs="0" maxOccurs="unbounded"/>
+        </xs:sequence>
+        <xs:attribute ref="pc:EntityNamespace"/>
+        <xs:attribute ref="pc:EntityName"/>
+        <xs:attribute ref="pc:SystemInstanceName"/>
+        <xs:attribute ref="pc:AssociationName"/>
+      </xs:complexType>
+    </xs:element>
+    <xs:attribute name="EntityNamespace" type="xs:string"/>
+    <xs:attribute name="EntityName" type="xs:string"/>
+    <xs:attribute name="SystemInstanceName" type="xs:string"/>
+    <xs:attribute name="AssociationName" type="xs:string"/>
+    <xs:element name="BDCEntity">
+      <xs:complexType>
+        <xs:sequence>
+          <xs:element ref="pc:EntityDisplayName" minOccurs="0"/>
+          <xs:element ref="pc:EntityInstanceReference" minOccurs="0"/>
+          <xs:element ref="pc:EntityId1" minOccurs="0"/>
+          <xs:element ref="pc:EntityId2" minOccurs="0"/>
+          <xs:element ref="pc:EntityId3" minOccurs="0"/>
+          <xs:element ref="pc:EntityId4" minOccurs="0"/>
+          <xs:element ref="pc:EntityId5" minOccurs="0"/>
+        </xs:sequence>
+      </xs:complexType>
+    </xs:element>
+    <xs:element name="EntityDisplayName" type="xs:string"/>
+    <xs:element name="EntityInstanceReference" type="xs:string"/>
+    <xs:element name="EntityId1" type="xs:string"/>
+    <xs:element name="EntityId2" type="xs:string"/>
+    <xs:element name="EntityId3" type="xs:string"/>
+    <xs:element name="EntityId4" type="xs:string"/>
+    <xs:element name="EntityId5" type="xs:string"/>
+    <xs:element name="Terms">
+      <xs:complexType>
+        <xs:sequence>
+          <xs:element ref="pc:TermInfo" minOccurs="0" maxOccurs="unbounded"/>
+        </xs:sequence>
+      </xs:complexType>
+    </xs:element>
+    <xs:element name="TermInfo">
+      <xs:complexType>
+        <xs:sequence>
+          <xs:element ref="pc:TermName" minOccurs="0"/>
+          <xs:element ref="pc:TermId" minOccurs="0"/>
+        </xs:sequence>
+      </xs:complexType>
+    </xs:element>
+    <xs:element name="TermName" type="xs:string"/>
+    <xs:element name="TermId" type="xs:string"/>
+  </xs:schema>
+</ct:contentTypeSchema>
+</file>
+
+<file path=customXml/itemProps1.xml><?xml version="1.0" encoding="utf-8"?>
+<ds:datastoreItem xmlns:ds="http://schemas.openxmlformats.org/officeDocument/2006/customXml" ds:itemID="{D6ECFDA5-7D59-48AB-8F8A-5B77C3955619}">
+  <ds:schemaRefs>
+    <ds:schemaRef ds:uri="http://schemas.microsoft.com/sharepoint/v3/contenttype/forms"/>
+  </ds:schemaRefs>
+</ds:datastoreItem>
+</file>
+
+<file path=customXml/itemProps2.xml><?xml version="1.0" encoding="utf-8"?>
+<ds:datastoreItem xmlns:ds="http://schemas.openxmlformats.org/officeDocument/2006/customXml" ds:itemID="{209CD068-17B3-4A8F-8754-19CA5F3D284E}">
+  <ds:schemaRefs>
+    <ds:schemaRef ds:uri="http://schemas.microsoft.com/office/2006/metadata/contentType"/>
+    <ds:schemaRef ds:uri="http://schemas.microsoft.com/office/2006/metadata/properties/metaAttributes"/>
+    <ds:schemaRef ds:uri="http://www.w3.org/2001/XMLSchema"/>
+    <ds:schemaRef ds:uri="http://schemas.microsoft.com/office/2006/metadata/properties"/>
+    <ds:schemaRef ds:uri="5d4ed4ad-c368-4ae0-b57a-9fad76fa8ba4"/>
+    <ds:schemaRef ds:uri="ea4d700e-bb3a-4d33-bd5c-e37bab34155a"/>
+    <ds:schemaRef ds:uri="http://schemas.microsoft.com/office/2006/documentManagement/types"/>
+    <ds:schemaRef ds:uri="http://schemas.microsoft.com/office/infopath/2007/PartnerControls"/>
+    <ds:schemaRef ds:uri="http://schemas.openxmlformats.org/package/2006/metadata/core-properties"/>
+    <ds:schemaRef ds:uri="http://purl.org/dc/elements/1.1/"/>
+    <ds:schemaRef ds:uri="http://purl.org/dc/terms/"/>
+    <ds:schemaRef ds:uri="http://schemas.microsoft.com/internal/obd"/>
+  </ds:schemaRefs>
+</ds:datastoreItem>
 </file>